--- a/288 - When Earth in Bondage Long Had Lain.pptx
+++ b/288 - When Earth in Bondage Long Had Lain.pptx
@@ -115,10 +115,6 @@
 </p:presentation>
 </file>
 
-<file path=ppt/revisionInfo.xml><?xml version="1.0" encoding="utf-8"?>
-<p1510:revInfo xmlns:a="http://schemas.openxmlformats.org/drawingml/2006/main" xmlns:r="http://schemas.openxmlformats.org/officeDocument/2006/relationships" xmlns:p1510="http://schemas.microsoft.com/office/powerpoint/2015/10/main"/>
-</file>
-
 <file path=ppt/slideLayouts/slideLayout1.xml><?xml version="1.0" encoding="utf-8"?>
 <p:sldLayout xmlns:a="http://schemas.openxmlformats.org/drawingml/2006/main" xmlns:r="http://schemas.openxmlformats.org/officeDocument/2006/relationships" xmlns:p="http://schemas.openxmlformats.org/presentationml/2006/main" type="title" preserve="1">
   <p:cSld name="Title Slide">
@@ -248,7 +244,7 @@
           <a:p>
             <a:fld id="{32F7251A-AE54-443C-B8FE-5F636E835EBF}" type="datetimeFigureOut">
               <a:rPr lang="en-US" smtClean="0"/>
-              <a:t>9/24/2017</a:t>
+              <a:t>9/16/2018</a:t>
             </a:fld>
             <a:endParaRPr lang="en-US"/>
           </a:p>
@@ -416,7 +412,7 @@
           <a:p>
             <a:fld id="{32F7251A-AE54-443C-B8FE-5F636E835EBF}" type="datetimeFigureOut">
               <a:rPr lang="en-US" smtClean="0"/>
-              <a:t>9/24/2017</a:t>
+              <a:t>9/16/2018</a:t>
             </a:fld>
             <a:endParaRPr lang="en-US"/>
           </a:p>
@@ -594,7 +590,7 @@
           <a:p>
             <a:fld id="{32F7251A-AE54-443C-B8FE-5F636E835EBF}" type="datetimeFigureOut">
               <a:rPr lang="en-US" smtClean="0"/>
-              <a:t>9/24/2017</a:t>
+              <a:t>9/16/2018</a:t>
             </a:fld>
             <a:endParaRPr lang="en-US"/>
           </a:p>
@@ -762,7 +758,7 @@
           <a:p>
             <a:fld id="{32F7251A-AE54-443C-B8FE-5F636E835EBF}" type="datetimeFigureOut">
               <a:rPr lang="en-US" smtClean="0"/>
-              <a:t>9/24/2017</a:t>
+              <a:t>9/16/2018</a:t>
             </a:fld>
             <a:endParaRPr lang="en-US"/>
           </a:p>
@@ -1007,7 +1003,7 @@
           <a:p>
             <a:fld id="{32F7251A-AE54-443C-B8FE-5F636E835EBF}" type="datetimeFigureOut">
               <a:rPr lang="en-US" smtClean="0"/>
-              <a:t>9/24/2017</a:t>
+              <a:t>9/16/2018</a:t>
             </a:fld>
             <a:endParaRPr lang="en-US"/>
           </a:p>
@@ -1236,7 +1232,7 @@
           <a:p>
             <a:fld id="{32F7251A-AE54-443C-B8FE-5F636E835EBF}" type="datetimeFigureOut">
               <a:rPr lang="en-US" smtClean="0"/>
-              <a:t>9/24/2017</a:t>
+              <a:t>9/16/2018</a:t>
             </a:fld>
             <a:endParaRPr lang="en-US"/>
           </a:p>
@@ -1600,7 +1596,7 @@
           <a:p>
             <a:fld id="{32F7251A-AE54-443C-B8FE-5F636E835EBF}" type="datetimeFigureOut">
               <a:rPr lang="en-US" smtClean="0"/>
-              <a:t>9/24/2017</a:t>
+              <a:t>9/16/2018</a:t>
             </a:fld>
             <a:endParaRPr lang="en-US"/>
           </a:p>
@@ -1717,7 +1713,7 @@
           <a:p>
             <a:fld id="{32F7251A-AE54-443C-B8FE-5F636E835EBF}" type="datetimeFigureOut">
               <a:rPr lang="en-US" smtClean="0"/>
-              <a:t>9/24/2017</a:t>
+              <a:t>9/16/2018</a:t>
             </a:fld>
             <a:endParaRPr lang="en-US"/>
           </a:p>
@@ -1812,7 +1808,7 @@
           <a:p>
             <a:fld id="{32F7251A-AE54-443C-B8FE-5F636E835EBF}" type="datetimeFigureOut">
               <a:rPr lang="en-US" smtClean="0"/>
-              <a:t>9/24/2017</a:t>
+              <a:t>9/16/2018</a:t>
             </a:fld>
             <a:endParaRPr lang="en-US"/>
           </a:p>
@@ -2087,7 +2083,7 @@
           <a:p>
             <a:fld id="{32F7251A-AE54-443C-B8FE-5F636E835EBF}" type="datetimeFigureOut">
               <a:rPr lang="en-US" smtClean="0"/>
-              <a:t>9/24/2017</a:t>
+              <a:t>9/16/2018</a:t>
             </a:fld>
             <a:endParaRPr lang="en-US"/>
           </a:p>
@@ -2339,7 +2335,7 @@
           <a:p>
             <a:fld id="{32F7251A-AE54-443C-B8FE-5F636E835EBF}" type="datetimeFigureOut">
               <a:rPr lang="en-US" smtClean="0"/>
-              <a:t>9/24/2017</a:t>
+              <a:t>9/16/2018</a:t>
             </a:fld>
             <a:endParaRPr lang="en-US"/>
           </a:p>
@@ -2553,7 +2549,7 @@
           <a:p>
             <a:fld id="{32F7251A-AE54-443C-B8FE-5F636E835EBF}" type="datetimeFigureOut">
               <a:rPr lang="en-US" smtClean="0"/>
-              <a:t>9/24/2017</a:t>
+              <a:t>9/16/2018</a:t>
             </a:fld>
             <a:endParaRPr lang="en-US"/>
           </a:p>

--- a/288 - When Earth in Bondage Long Had Lain.pptx
+++ b/288 - When Earth in Bondage Long Had Lain.pptx
@@ -244,7 +244,7 @@
           <a:p>
             <a:fld id="{32F7251A-AE54-443C-B8FE-5F636E835EBF}" type="datetimeFigureOut">
               <a:rPr lang="en-US" smtClean="0"/>
-              <a:t>9/16/2018</a:t>
+              <a:t>8/16/2020</a:t>
             </a:fld>
             <a:endParaRPr lang="en-US"/>
           </a:p>
@@ -412,7 +412,7 @@
           <a:p>
             <a:fld id="{32F7251A-AE54-443C-B8FE-5F636E835EBF}" type="datetimeFigureOut">
               <a:rPr lang="en-US" smtClean="0"/>
-              <a:t>9/16/2018</a:t>
+              <a:t>8/16/2020</a:t>
             </a:fld>
             <a:endParaRPr lang="en-US"/>
           </a:p>
@@ -590,7 +590,7 @@
           <a:p>
             <a:fld id="{32F7251A-AE54-443C-B8FE-5F636E835EBF}" type="datetimeFigureOut">
               <a:rPr lang="en-US" smtClean="0"/>
-              <a:t>9/16/2018</a:t>
+              <a:t>8/16/2020</a:t>
             </a:fld>
             <a:endParaRPr lang="en-US"/>
           </a:p>
@@ -758,7 +758,7 @@
           <a:p>
             <a:fld id="{32F7251A-AE54-443C-B8FE-5F636E835EBF}" type="datetimeFigureOut">
               <a:rPr lang="en-US" smtClean="0"/>
-              <a:t>9/16/2018</a:t>
+              <a:t>8/16/2020</a:t>
             </a:fld>
             <a:endParaRPr lang="en-US"/>
           </a:p>
@@ -1003,7 +1003,7 @@
           <a:p>
             <a:fld id="{32F7251A-AE54-443C-B8FE-5F636E835EBF}" type="datetimeFigureOut">
               <a:rPr lang="en-US" smtClean="0"/>
-              <a:t>9/16/2018</a:t>
+              <a:t>8/16/2020</a:t>
             </a:fld>
             <a:endParaRPr lang="en-US"/>
           </a:p>
@@ -1232,7 +1232,7 @@
           <a:p>
             <a:fld id="{32F7251A-AE54-443C-B8FE-5F636E835EBF}" type="datetimeFigureOut">
               <a:rPr lang="en-US" smtClean="0"/>
-              <a:t>9/16/2018</a:t>
+              <a:t>8/16/2020</a:t>
             </a:fld>
             <a:endParaRPr lang="en-US"/>
           </a:p>
@@ -1596,7 +1596,7 @@
           <a:p>
             <a:fld id="{32F7251A-AE54-443C-B8FE-5F636E835EBF}" type="datetimeFigureOut">
               <a:rPr lang="en-US" smtClean="0"/>
-              <a:t>9/16/2018</a:t>
+              <a:t>8/16/2020</a:t>
             </a:fld>
             <a:endParaRPr lang="en-US"/>
           </a:p>
@@ -1713,7 +1713,7 @@
           <a:p>
             <a:fld id="{32F7251A-AE54-443C-B8FE-5F636E835EBF}" type="datetimeFigureOut">
               <a:rPr lang="en-US" smtClean="0"/>
-              <a:t>9/16/2018</a:t>
+              <a:t>8/16/2020</a:t>
             </a:fld>
             <a:endParaRPr lang="en-US"/>
           </a:p>
@@ -1808,7 +1808,7 @@
           <a:p>
             <a:fld id="{32F7251A-AE54-443C-B8FE-5F636E835EBF}" type="datetimeFigureOut">
               <a:rPr lang="en-US" smtClean="0"/>
-              <a:t>9/16/2018</a:t>
+              <a:t>8/16/2020</a:t>
             </a:fld>
             <a:endParaRPr lang="en-US"/>
           </a:p>
@@ -2083,7 +2083,7 @@
           <a:p>
             <a:fld id="{32F7251A-AE54-443C-B8FE-5F636E835EBF}" type="datetimeFigureOut">
               <a:rPr lang="en-US" smtClean="0"/>
-              <a:t>9/16/2018</a:t>
+              <a:t>8/16/2020</a:t>
             </a:fld>
             <a:endParaRPr lang="en-US"/>
           </a:p>
@@ -2335,7 +2335,7 @@
           <a:p>
             <a:fld id="{32F7251A-AE54-443C-B8FE-5F636E835EBF}" type="datetimeFigureOut">
               <a:rPr lang="en-US" smtClean="0"/>
-              <a:t>9/16/2018</a:t>
+              <a:t>8/16/2020</a:t>
             </a:fld>
             <a:endParaRPr lang="en-US"/>
           </a:p>
@@ -2402,7 +2402,9 @@
     <p:bg>
       <p:bgPr>
         <a:solidFill>
-          <a:srgbClr val="333333"/>
+          <a:schemeClr val="bg1">
+            <a:lumMod val="10000"/>
+          </a:schemeClr>
         </a:solidFill>
         <a:effectLst/>
       </p:bgPr>
@@ -2549,7 +2551,7 @@
           <a:p>
             <a:fld id="{32F7251A-AE54-443C-B8FE-5F636E835EBF}" type="datetimeFigureOut">
               <a:rPr lang="en-US" smtClean="0"/>
-              <a:t>9/16/2018</a:t>
+              <a:t>8/16/2020</a:t>
             </a:fld>
             <a:endParaRPr lang="en-US"/>
           </a:p>
@@ -3019,8 +3021,8 @@
         </p:nvSpPr>
         <p:spPr>
           <a:xfrm>
-            <a:off x="0" y="5804209"/>
-            <a:ext cx="12192000" cy="830997"/>
+            <a:off x="0" y="5927320"/>
+            <a:ext cx="12192000" cy="584775"/>
           </a:xfrm>
           <a:prstGeom prst="rect">
             <a:avLst/>
@@ -3035,10 +3037,12 @@
           <a:p>
             <a:pPr algn="ctr"/>
             <a:r>
-              <a:rPr lang="en-US" sz="4800" dirty="0">
+              <a:rPr lang="en-US" sz="3200" u="sng" dirty="0">
                 <a:solidFill>
                   <a:schemeClr val="bg1"/>
                 </a:solidFill>
+                <a:latin typeface="Assistant SemiBold" panose="00000700000000000000" pitchFamily="2" charset="-79"/>
+                <a:cs typeface="Assistant SemiBold" panose="00000700000000000000" pitchFamily="2" charset="-79"/>
               </a:rPr>
               <a:t>“When Earth in Bondage Long Had Lain”</a:t>
             </a:r>
@@ -3053,8 +3057,8 @@
         </p:nvSpPr>
         <p:spPr>
           <a:xfrm>
-            <a:off x="0" y="215167"/>
-            <a:ext cx="12192000" cy="5078313"/>
+            <a:off x="0" y="797873"/>
+            <a:ext cx="12192000" cy="3970318"/>
           </a:xfrm>
           <a:prstGeom prst="rect">
             <a:avLst/>
@@ -3069,10 +3073,12 @@
           <a:p>
             <a:pPr algn="ctr"/>
             <a:r>
-              <a:rPr lang="en-US" sz="3600" dirty="0">
+              <a:rPr lang="en-US" sz="2800" spc="50" dirty="0">
                 <a:solidFill>
                   <a:schemeClr val="bg1"/>
                 </a:solidFill>
+                <a:latin typeface="Assistant" panose="00000500000000000000" pitchFamily="2" charset="-79"/>
+                <a:cs typeface="Assistant" panose="00000500000000000000" pitchFamily="2" charset="-79"/>
               </a:rPr>
               <a:t>When Earth in bondage long had lain,</a:t>
             </a:r>
@@ -3080,10 +3086,12 @@
           <a:p>
             <a:pPr algn="ctr"/>
             <a:r>
-              <a:rPr lang="en-US" sz="3600" dirty="0">
+              <a:rPr lang="en-US" sz="2800" spc="50" dirty="0">
                 <a:solidFill>
                   <a:schemeClr val="bg1"/>
                 </a:solidFill>
+                <a:latin typeface="Assistant" panose="00000500000000000000" pitchFamily="2" charset="-79"/>
+                <a:cs typeface="Assistant" panose="00000500000000000000" pitchFamily="2" charset="-79"/>
               </a:rPr>
               <a:t>And darkness o’er the nations reigned,</a:t>
             </a:r>
@@ -3091,10 +3099,12 @@
           <a:p>
             <a:pPr algn="ctr"/>
             <a:r>
-              <a:rPr lang="en-US" sz="3600" dirty="0">
+              <a:rPr lang="en-US" sz="2800" spc="50" dirty="0">
                 <a:solidFill>
                   <a:schemeClr val="bg1"/>
                 </a:solidFill>
+                <a:latin typeface="Assistant" panose="00000500000000000000" pitchFamily="2" charset="-79"/>
+                <a:cs typeface="Assistant" panose="00000500000000000000" pitchFamily="2" charset="-79"/>
               </a:rPr>
               <a:t>And all man’s precepts proved in vain,</a:t>
             </a:r>
@@ -3102,29 +3112,35 @@
           <a:p>
             <a:pPr algn="ctr"/>
             <a:r>
-              <a:rPr lang="en-US" sz="3600" dirty="0">
+              <a:rPr lang="en-US" sz="2800" spc="50" dirty="0">
                 <a:solidFill>
                   <a:schemeClr val="bg1"/>
                 </a:solidFill>
+                <a:latin typeface="Assistant" panose="00000500000000000000" pitchFamily="2" charset="-79"/>
+                <a:cs typeface="Assistant" panose="00000500000000000000" pitchFamily="2" charset="-79"/>
               </a:rPr>
               <a:t>A perfect system to obtain—</a:t>
             </a:r>
           </a:p>
           <a:p>
             <a:pPr algn="ctr"/>
-            <a:endParaRPr lang="en-US" sz="3600" dirty="0">
+            <a:endParaRPr lang="en-US" sz="2800" spc="50" dirty="0">
               <a:solidFill>
                 <a:schemeClr val="bg1"/>
               </a:solidFill>
+              <a:latin typeface="Assistant" panose="00000500000000000000" pitchFamily="2" charset="-79"/>
+              <a:cs typeface="Assistant" panose="00000500000000000000" pitchFamily="2" charset="-79"/>
             </a:endParaRPr>
           </a:p>
           <a:p>
             <a:pPr algn="ctr"/>
             <a:r>
-              <a:rPr lang="en-US" sz="3600" dirty="0">
+              <a:rPr lang="en-US" sz="2800" spc="50" dirty="0">
                 <a:solidFill>
                   <a:schemeClr val="bg1"/>
                 </a:solidFill>
+                <a:latin typeface="Assistant" panose="00000500000000000000" pitchFamily="2" charset="-79"/>
+                <a:cs typeface="Assistant" panose="00000500000000000000" pitchFamily="2" charset="-79"/>
               </a:rPr>
               <a:t>A voice commissioned from on high!</a:t>
             </a:r>
@@ -3132,10 +3148,12 @@
           <a:p>
             <a:pPr algn="ctr"/>
             <a:r>
-              <a:rPr lang="en-US" sz="3600" dirty="0">
+              <a:rPr lang="en-US" sz="2800" spc="50" dirty="0">
                 <a:solidFill>
                   <a:schemeClr val="bg1"/>
                 </a:solidFill>
+                <a:latin typeface="Assistant" panose="00000500000000000000" pitchFamily="2" charset="-79"/>
+                <a:cs typeface="Assistant" panose="00000500000000000000" pitchFamily="2" charset="-79"/>
               </a:rPr>
               <a:t>Hark, Hark!  It is the angel’s cry,</a:t>
             </a:r>
@@ -3143,10 +3161,12 @@
           <a:p>
             <a:pPr algn="ctr"/>
             <a:r>
-              <a:rPr lang="en-US" sz="3600" dirty="0">
+              <a:rPr lang="en-US" sz="2800" spc="50" dirty="0">
                 <a:solidFill>
                   <a:schemeClr val="bg1"/>
                 </a:solidFill>
+                <a:latin typeface="Assistant" panose="00000500000000000000" pitchFamily="2" charset="-79"/>
+                <a:cs typeface="Assistant" panose="00000500000000000000" pitchFamily="2" charset="-79"/>
               </a:rPr>
               <a:t>Descending from the throne of light,</a:t>
             </a:r>
@@ -3154,10 +3174,12 @@
           <a:p>
             <a:pPr algn="ctr"/>
             <a:r>
-              <a:rPr lang="en-US" sz="3600" dirty="0">
+              <a:rPr lang="en-US" sz="2800" spc="50" dirty="0">
                 <a:solidFill>
                   <a:schemeClr val="bg1"/>
                 </a:solidFill>
+                <a:latin typeface="Assistant" panose="00000500000000000000" pitchFamily="2" charset="-79"/>
+                <a:cs typeface="Assistant" panose="00000500000000000000" pitchFamily="2" charset="-79"/>
               </a:rPr>
               <a:t>His garments shining clear and white!</a:t>
             </a:r>
@@ -3259,8 +3281,8 @@
         </p:nvSpPr>
         <p:spPr>
           <a:xfrm>
-            <a:off x="0" y="5804209"/>
-            <a:ext cx="12192000" cy="830997"/>
+            <a:off x="0" y="5927320"/>
+            <a:ext cx="12192000" cy="584775"/>
           </a:xfrm>
           <a:prstGeom prst="rect">
             <a:avLst/>
@@ -3275,10 +3297,12 @@
           <a:p>
             <a:pPr algn="ctr"/>
             <a:r>
-              <a:rPr lang="en-US" sz="4800" dirty="0">
+              <a:rPr lang="en-US" sz="3200" u="sng" dirty="0">
                 <a:solidFill>
                   <a:schemeClr val="bg1"/>
                 </a:solidFill>
+                <a:latin typeface="Assistant SemiBold" panose="00000700000000000000" pitchFamily="2" charset="-79"/>
+                <a:cs typeface="Assistant SemiBold" panose="00000700000000000000" pitchFamily="2" charset="-79"/>
               </a:rPr>
               <a:t>“When Earth in Bondage Long Had Lain”</a:t>
             </a:r>
@@ -3293,8 +3317,8 @@
         </p:nvSpPr>
         <p:spPr>
           <a:xfrm>
-            <a:off x="0" y="215167"/>
-            <a:ext cx="12192000" cy="5078313"/>
+            <a:off x="0" y="729571"/>
+            <a:ext cx="12192000" cy="3970318"/>
           </a:xfrm>
           <a:prstGeom prst="rect">
             <a:avLst/>
@@ -3309,10 +3333,12 @@
           <a:p>
             <a:pPr algn="ctr"/>
             <a:r>
-              <a:rPr lang="en-US" sz="3600" dirty="0">
+              <a:rPr lang="en-US" sz="2800" spc="50" dirty="0">
                 <a:solidFill>
                   <a:schemeClr val="bg1"/>
                 </a:solidFill>
+                <a:latin typeface="Assistant" panose="00000500000000000000" pitchFamily="2" charset="-79"/>
+                <a:cs typeface="Assistant" panose="00000500000000000000" pitchFamily="2" charset="-79"/>
               </a:rPr>
               <a:t>He comes the gospel to reveal</a:t>
             </a:r>
@@ -3320,10 +3346,12 @@
           <a:p>
             <a:pPr algn="ctr"/>
             <a:r>
-              <a:rPr lang="en-US" sz="3600" dirty="0">
+              <a:rPr lang="en-US" sz="2800" spc="50" dirty="0">
                 <a:solidFill>
                   <a:schemeClr val="bg1"/>
                 </a:solidFill>
+                <a:latin typeface="Assistant" panose="00000500000000000000" pitchFamily="2" charset="-79"/>
+                <a:cs typeface="Assistant" panose="00000500000000000000" pitchFamily="2" charset="-79"/>
               </a:rPr>
               <a:t>In fullness to benighted man,</a:t>
             </a:r>
@@ -3331,10 +3359,12 @@
           <a:p>
             <a:pPr algn="ctr"/>
             <a:r>
-              <a:rPr lang="en-US" sz="3600" dirty="0">
+              <a:rPr lang="en-US" sz="2800" spc="50" dirty="0">
                 <a:solidFill>
                   <a:schemeClr val="bg1"/>
                 </a:solidFill>
+                <a:latin typeface="Assistant" panose="00000500000000000000" pitchFamily="2" charset="-79"/>
+                <a:cs typeface="Assistant" panose="00000500000000000000" pitchFamily="2" charset="-79"/>
               </a:rPr>
               <a:t>Restore the priesthood, long since lost,</a:t>
             </a:r>
@@ -3342,29 +3372,35 @@
           <a:p>
             <a:pPr algn="ctr"/>
             <a:r>
-              <a:rPr lang="en-US" sz="3600" dirty="0">
+              <a:rPr lang="en-US" sz="2800" spc="50" dirty="0">
                 <a:solidFill>
                   <a:schemeClr val="bg1"/>
                 </a:solidFill>
+                <a:latin typeface="Assistant" panose="00000500000000000000" pitchFamily="2" charset="-79"/>
+                <a:cs typeface="Assistant" panose="00000500000000000000" pitchFamily="2" charset="-79"/>
               </a:rPr>
               <a:t>In truth and power as at the first.</a:t>
             </a:r>
           </a:p>
           <a:p>
             <a:pPr algn="ctr"/>
-            <a:endParaRPr lang="en-US" sz="3600" dirty="0">
+            <a:endParaRPr lang="en-US" sz="2800" spc="50" dirty="0">
               <a:solidFill>
                 <a:schemeClr val="bg1"/>
               </a:solidFill>
+              <a:latin typeface="Assistant" panose="00000500000000000000" pitchFamily="2" charset="-79"/>
+              <a:cs typeface="Assistant" panose="00000500000000000000" pitchFamily="2" charset="-79"/>
             </a:endParaRPr>
           </a:p>
           <a:p>
             <a:pPr algn="ctr"/>
             <a:r>
-              <a:rPr lang="en-US" sz="3600" dirty="0">
+              <a:rPr lang="en-US" sz="2800" spc="50" dirty="0">
                 <a:solidFill>
                   <a:schemeClr val="bg1"/>
                 </a:solidFill>
+                <a:latin typeface="Assistant" panose="00000500000000000000" pitchFamily="2" charset="-79"/>
+                <a:cs typeface="Assistant" panose="00000500000000000000" pitchFamily="2" charset="-79"/>
               </a:rPr>
               <a:t>A voice commissioned from on high!</a:t>
             </a:r>
@@ -3372,10 +3408,12 @@
           <a:p>
             <a:pPr algn="ctr"/>
             <a:r>
-              <a:rPr lang="en-US" sz="3600" dirty="0">
+              <a:rPr lang="en-US" sz="2800" spc="50" dirty="0">
                 <a:solidFill>
                   <a:schemeClr val="bg1"/>
                 </a:solidFill>
+                <a:latin typeface="Assistant" panose="00000500000000000000" pitchFamily="2" charset="-79"/>
+                <a:cs typeface="Assistant" panose="00000500000000000000" pitchFamily="2" charset="-79"/>
               </a:rPr>
               <a:t>Hark, Hark!  It is the angel’s cry,</a:t>
             </a:r>
@@ -3383,10 +3421,12 @@
           <a:p>
             <a:pPr algn="ctr"/>
             <a:r>
-              <a:rPr lang="en-US" sz="3600" dirty="0">
+              <a:rPr lang="en-US" sz="2800" spc="50" dirty="0">
                 <a:solidFill>
                   <a:schemeClr val="bg1"/>
                 </a:solidFill>
+                <a:latin typeface="Assistant" panose="00000500000000000000" pitchFamily="2" charset="-79"/>
+                <a:cs typeface="Assistant" panose="00000500000000000000" pitchFamily="2" charset="-79"/>
               </a:rPr>
               <a:t>Descending from the throne of light,</a:t>
             </a:r>
@@ -3394,10 +3434,12 @@
           <a:p>
             <a:pPr algn="ctr"/>
             <a:r>
-              <a:rPr lang="en-US" sz="3600" dirty="0">
+              <a:rPr lang="en-US" sz="2800" spc="50" dirty="0">
                 <a:solidFill>
                   <a:schemeClr val="bg1"/>
                 </a:solidFill>
+                <a:latin typeface="Assistant" panose="00000500000000000000" pitchFamily="2" charset="-79"/>
+                <a:cs typeface="Assistant" panose="00000500000000000000" pitchFamily="2" charset="-79"/>
               </a:rPr>
               <a:t>His garments shining clear and white!</a:t>
             </a:r>
@@ -3499,8 +3541,8 @@
         </p:nvSpPr>
         <p:spPr>
           <a:xfrm>
-            <a:off x="0" y="5804209"/>
-            <a:ext cx="12192000" cy="830997"/>
+            <a:off x="0" y="5927320"/>
+            <a:ext cx="12192000" cy="584775"/>
           </a:xfrm>
           <a:prstGeom prst="rect">
             <a:avLst/>
@@ -3515,10 +3557,12 @@
           <a:p>
             <a:pPr algn="ctr"/>
             <a:r>
-              <a:rPr lang="en-US" sz="4800" dirty="0">
+              <a:rPr lang="en-US" sz="3200" u="sng" dirty="0">
                 <a:solidFill>
                   <a:schemeClr val="bg1"/>
                 </a:solidFill>
+                <a:latin typeface="Assistant SemiBold" panose="00000700000000000000" pitchFamily="2" charset="-79"/>
+                <a:cs typeface="Assistant SemiBold" panose="00000700000000000000" pitchFamily="2" charset="-79"/>
               </a:rPr>
               <a:t>“When Earth in Bondage Long Had Lain”</a:t>
             </a:r>
@@ -3533,8 +3577,8 @@
         </p:nvSpPr>
         <p:spPr>
           <a:xfrm>
-            <a:off x="0" y="215167"/>
-            <a:ext cx="12192000" cy="5078313"/>
+            <a:off x="0" y="729571"/>
+            <a:ext cx="12192000" cy="3970318"/>
           </a:xfrm>
           <a:prstGeom prst="rect">
             <a:avLst/>
@@ -3549,26 +3593,32 @@
           <a:p>
             <a:pPr algn="ctr"/>
             <a:r>
-              <a:rPr lang="en-US" sz="3600" dirty="0">
+              <a:rPr lang="en-US" sz="2800" spc="50" dirty="0">
                 <a:solidFill>
                   <a:schemeClr val="bg1"/>
                 </a:solidFill>
+                <a:latin typeface="Assistant" panose="00000500000000000000" pitchFamily="2" charset="-79"/>
+                <a:cs typeface="Assistant" panose="00000500000000000000" pitchFamily="2" charset="-79"/>
               </a:rPr>
               <a:t>Lo, from </a:t>
             </a:r>
             <a:r>
-              <a:rPr lang="en-US" sz="3600" dirty="0" err="1">
+              <a:rPr lang="en-US" sz="2800" spc="50" dirty="0" err="1">
                 <a:solidFill>
                   <a:schemeClr val="bg1"/>
                 </a:solidFill>
+                <a:latin typeface="Assistant" panose="00000500000000000000" pitchFamily="2" charset="-79"/>
+                <a:cs typeface="Assistant" panose="00000500000000000000" pitchFamily="2" charset="-79"/>
               </a:rPr>
               <a:t>Cumorah’s</a:t>
             </a:r>
             <a:r>
-              <a:rPr lang="en-US" sz="3600" dirty="0">
+              <a:rPr lang="en-US" sz="2800" spc="50" dirty="0">
                 <a:solidFill>
                   <a:schemeClr val="bg1"/>
                 </a:solidFill>
+                <a:latin typeface="Assistant" panose="00000500000000000000" pitchFamily="2" charset="-79"/>
+                <a:cs typeface="Assistant" panose="00000500000000000000" pitchFamily="2" charset="-79"/>
               </a:rPr>
               <a:t> lonely hill</a:t>
             </a:r>
@@ -3576,10 +3626,12 @@
           <a:p>
             <a:pPr algn="ctr"/>
             <a:r>
-              <a:rPr lang="en-US" sz="3600" dirty="0">
+              <a:rPr lang="en-US" sz="2800" spc="50" dirty="0">
                 <a:solidFill>
                   <a:schemeClr val="bg1"/>
                 </a:solidFill>
+                <a:latin typeface="Assistant" panose="00000500000000000000" pitchFamily="2" charset="-79"/>
+                <a:cs typeface="Assistant" panose="00000500000000000000" pitchFamily="2" charset="-79"/>
               </a:rPr>
               <a:t>There comes a record of God’s will,</a:t>
             </a:r>
@@ -3587,10 +3639,12 @@
           <a:p>
             <a:pPr algn="ctr"/>
             <a:r>
-              <a:rPr lang="en-US" sz="3600" dirty="0">
+              <a:rPr lang="en-US" sz="2800" spc="50" dirty="0">
                 <a:solidFill>
                   <a:schemeClr val="bg1"/>
                 </a:solidFill>
+                <a:latin typeface="Assistant" panose="00000500000000000000" pitchFamily="2" charset="-79"/>
+                <a:cs typeface="Assistant" panose="00000500000000000000" pitchFamily="2" charset="-79"/>
               </a:rPr>
               <a:t>Translated by the power of God;</a:t>
             </a:r>
@@ -3598,29 +3652,35 @@
           <a:p>
             <a:pPr algn="ctr"/>
             <a:r>
-              <a:rPr lang="en-US" sz="3600" dirty="0">
+              <a:rPr lang="en-US" sz="2800" spc="50" dirty="0">
                 <a:solidFill>
                   <a:schemeClr val="bg1"/>
                 </a:solidFill>
+                <a:latin typeface="Assistant" panose="00000500000000000000" pitchFamily="2" charset="-79"/>
+                <a:cs typeface="Assistant" panose="00000500000000000000" pitchFamily="2" charset="-79"/>
               </a:rPr>
               <a:t>His voice bears record to his word.</a:t>
             </a:r>
           </a:p>
           <a:p>
             <a:pPr algn="ctr"/>
-            <a:endParaRPr lang="en-US" sz="3600" dirty="0">
+            <a:endParaRPr lang="en-US" sz="2800" spc="50" dirty="0">
               <a:solidFill>
                 <a:schemeClr val="bg1"/>
               </a:solidFill>
+              <a:latin typeface="Assistant" panose="00000500000000000000" pitchFamily="2" charset="-79"/>
+              <a:cs typeface="Assistant" panose="00000500000000000000" pitchFamily="2" charset="-79"/>
             </a:endParaRPr>
           </a:p>
           <a:p>
             <a:pPr algn="ctr"/>
             <a:r>
-              <a:rPr lang="en-US" sz="3600" dirty="0">
+              <a:rPr lang="en-US" sz="2800" spc="50" dirty="0">
                 <a:solidFill>
                   <a:schemeClr val="bg1"/>
                 </a:solidFill>
+                <a:latin typeface="Assistant" panose="00000500000000000000" pitchFamily="2" charset="-79"/>
+                <a:cs typeface="Assistant" panose="00000500000000000000" pitchFamily="2" charset="-79"/>
               </a:rPr>
               <a:t>A voice commissioned from on high!</a:t>
             </a:r>
@@ -3628,10 +3688,12 @@
           <a:p>
             <a:pPr algn="ctr"/>
             <a:r>
-              <a:rPr lang="en-US" sz="3600" dirty="0">
+              <a:rPr lang="en-US" sz="2800" spc="50" dirty="0">
                 <a:solidFill>
                   <a:schemeClr val="bg1"/>
                 </a:solidFill>
+                <a:latin typeface="Assistant" panose="00000500000000000000" pitchFamily="2" charset="-79"/>
+                <a:cs typeface="Assistant" panose="00000500000000000000" pitchFamily="2" charset="-79"/>
               </a:rPr>
               <a:t>Hark, Hark!  It is the angel’s cry,</a:t>
             </a:r>
@@ -3639,10 +3701,12 @@
           <a:p>
             <a:pPr algn="ctr"/>
             <a:r>
-              <a:rPr lang="en-US" sz="3600" dirty="0">
+              <a:rPr lang="en-US" sz="2800" spc="50" dirty="0">
                 <a:solidFill>
                   <a:schemeClr val="bg1"/>
                 </a:solidFill>
+                <a:latin typeface="Assistant" panose="00000500000000000000" pitchFamily="2" charset="-79"/>
+                <a:cs typeface="Assistant" panose="00000500000000000000" pitchFamily="2" charset="-79"/>
               </a:rPr>
               <a:t>Descending from the throne of light,</a:t>
             </a:r>
@@ -3650,10 +3714,12 @@
           <a:p>
             <a:pPr algn="ctr"/>
             <a:r>
-              <a:rPr lang="en-US" sz="3600" dirty="0">
+              <a:rPr lang="en-US" sz="2800" spc="50" dirty="0">
                 <a:solidFill>
                   <a:schemeClr val="bg1"/>
                 </a:solidFill>
+                <a:latin typeface="Assistant" panose="00000500000000000000" pitchFamily="2" charset="-79"/>
+                <a:cs typeface="Assistant" panose="00000500000000000000" pitchFamily="2" charset="-79"/>
               </a:rPr>
               <a:t>His garments shining clear and white!</a:t>
             </a:r>
@@ -3755,8 +3821,8 @@
         </p:nvSpPr>
         <p:spPr>
           <a:xfrm>
-            <a:off x="0" y="5804209"/>
-            <a:ext cx="12192000" cy="830997"/>
+            <a:off x="0" y="5927320"/>
+            <a:ext cx="12192000" cy="584775"/>
           </a:xfrm>
           <a:prstGeom prst="rect">
             <a:avLst/>
@@ -3771,10 +3837,12 @@
           <a:p>
             <a:pPr algn="ctr"/>
             <a:r>
-              <a:rPr lang="en-US" sz="4800" dirty="0">
+              <a:rPr lang="en-US" sz="3200" u="sng" dirty="0">
                 <a:solidFill>
                   <a:schemeClr val="bg1"/>
                 </a:solidFill>
+                <a:latin typeface="Assistant SemiBold" panose="00000700000000000000" pitchFamily="2" charset="-79"/>
+                <a:cs typeface="Assistant SemiBold" panose="00000700000000000000" pitchFamily="2" charset="-79"/>
               </a:rPr>
               <a:t>“When Earth in Bondage Long Had Lain”</a:t>
             </a:r>
@@ -3789,8 +3857,8 @@
         </p:nvSpPr>
         <p:spPr>
           <a:xfrm>
-            <a:off x="0" y="215167"/>
-            <a:ext cx="12192000" cy="5078313"/>
+            <a:off x="0" y="729571"/>
+            <a:ext cx="12192000" cy="3970318"/>
           </a:xfrm>
           <a:prstGeom prst="rect">
             <a:avLst/>
@@ -3805,10 +3873,12 @@
           <a:p>
             <a:pPr algn="ctr"/>
             <a:r>
-              <a:rPr lang="en-US" sz="3600" dirty="0">
+              <a:rPr lang="en-US" sz="2800" spc="50" dirty="0">
                 <a:solidFill>
                   <a:schemeClr val="bg1"/>
                 </a:solidFill>
+                <a:latin typeface="Assistant" panose="00000500000000000000" pitchFamily="2" charset="-79"/>
+                <a:cs typeface="Assistant" panose="00000500000000000000" pitchFamily="2" charset="-79"/>
               </a:rPr>
               <a:t>And now commissioned from on high,</a:t>
             </a:r>
@@ -3816,10 +3886,12 @@
           <a:p>
             <a:pPr algn="ctr"/>
             <a:r>
-              <a:rPr lang="en-US" sz="3600" dirty="0">
+              <a:rPr lang="en-US" sz="2800" spc="50" dirty="0">
                 <a:solidFill>
                   <a:schemeClr val="bg1"/>
                 </a:solidFill>
+                <a:latin typeface="Assistant" panose="00000500000000000000" pitchFamily="2" charset="-79"/>
+                <a:cs typeface="Assistant" panose="00000500000000000000" pitchFamily="2" charset="-79"/>
               </a:rPr>
               <a:t>God’s servants faith, repentance cry,</a:t>
             </a:r>
@@ -3827,10 +3899,12 @@
           <a:p>
             <a:pPr algn="ctr"/>
             <a:r>
-              <a:rPr lang="en-US" sz="3600" dirty="0">
+              <a:rPr lang="en-US" sz="2800" spc="50" dirty="0">
                 <a:solidFill>
                   <a:schemeClr val="bg1"/>
                 </a:solidFill>
+                <a:latin typeface="Assistant" panose="00000500000000000000" pitchFamily="2" charset="-79"/>
+                <a:cs typeface="Assistant" panose="00000500000000000000" pitchFamily="2" charset="-79"/>
               </a:rPr>
               <a:t>Baptizing as in days of old</a:t>
             </a:r>
@@ -3838,29 +3912,35 @@
           <a:p>
             <a:pPr algn="ctr"/>
             <a:r>
-              <a:rPr lang="en-US" sz="3600" dirty="0">
+              <a:rPr lang="en-US" sz="2800" spc="50" dirty="0">
                 <a:solidFill>
                   <a:schemeClr val="bg1"/>
                 </a:solidFill>
+                <a:latin typeface="Assistant" panose="00000500000000000000" pitchFamily="2" charset="-79"/>
+                <a:cs typeface="Assistant" panose="00000500000000000000" pitchFamily="2" charset="-79"/>
               </a:rPr>
               <a:t>Into one Shepherd and one fold.</a:t>
             </a:r>
           </a:p>
           <a:p>
             <a:pPr algn="ctr"/>
-            <a:endParaRPr lang="en-US" sz="3600" dirty="0">
+            <a:endParaRPr lang="en-US" sz="2800" spc="50" dirty="0">
               <a:solidFill>
                 <a:schemeClr val="bg1"/>
               </a:solidFill>
+              <a:latin typeface="Assistant" panose="00000500000000000000" pitchFamily="2" charset="-79"/>
+              <a:cs typeface="Assistant" panose="00000500000000000000" pitchFamily="2" charset="-79"/>
             </a:endParaRPr>
           </a:p>
           <a:p>
             <a:pPr algn="ctr"/>
             <a:r>
-              <a:rPr lang="en-US" sz="3600" dirty="0">
+              <a:rPr lang="en-US" sz="2800" spc="50" dirty="0">
                 <a:solidFill>
                   <a:schemeClr val="bg1"/>
                 </a:solidFill>
+                <a:latin typeface="Assistant" panose="00000500000000000000" pitchFamily="2" charset="-79"/>
+                <a:cs typeface="Assistant" panose="00000500000000000000" pitchFamily="2" charset="-79"/>
               </a:rPr>
               <a:t>A voice commissioned from on high!</a:t>
             </a:r>
@@ -3868,10 +3948,12 @@
           <a:p>
             <a:pPr algn="ctr"/>
             <a:r>
-              <a:rPr lang="en-US" sz="3600" dirty="0">
+              <a:rPr lang="en-US" sz="2800" spc="50" dirty="0">
                 <a:solidFill>
                   <a:schemeClr val="bg1"/>
                 </a:solidFill>
+                <a:latin typeface="Assistant" panose="00000500000000000000" pitchFamily="2" charset="-79"/>
+                <a:cs typeface="Assistant" panose="00000500000000000000" pitchFamily="2" charset="-79"/>
               </a:rPr>
               <a:t>Hark, Hark!  It is the angel’s cry,</a:t>
             </a:r>
@@ -3879,10 +3961,12 @@
           <a:p>
             <a:pPr algn="ctr"/>
             <a:r>
-              <a:rPr lang="en-US" sz="3600" dirty="0">
+              <a:rPr lang="en-US" sz="2800" spc="50" dirty="0">
                 <a:solidFill>
                   <a:schemeClr val="bg1"/>
                 </a:solidFill>
+                <a:latin typeface="Assistant" panose="00000500000000000000" pitchFamily="2" charset="-79"/>
+                <a:cs typeface="Assistant" panose="00000500000000000000" pitchFamily="2" charset="-79"/>
               </a:rPr>
               <a:t>Descending from the throne of light,</a:t>
             </a:r>
@@ -3890,10 +3974,12 @@
           <a:p>
             <a:pPr algn="ctr"/>
             <a:r>
-              <a:rPr lang="en-US" sz="3600" dirty="0">
+              <a:rPr lang="en-US" sz="2800" spc="50" dirty="0">
                 <a:solidFill>
                   <a:schemeClr val="bg1"/>
                 </a:solidFill>
+                <a:latin typeface="Assistant" panose="00000500000000000000" pitchFamily="2" charset="-79"/>
+                <a:cs typeface="Assistant" panose="00000500000000000000" pitchFamily="2" charset="-79"/>
               </a:rPr>
               <a:t>His garments shining clear and white!</a:t>
             </a:r>
